--- a/PPT-12.pptx
+++ b/PPT-12.pptx
@@ -244,7 +244,7 @@
           <a:p>
             <a:fld id="{57B076D3-E097-4D3E-89C8-FC671BBB14DD}" type="datetimeFigureOut">
               <a:rPr lang="zh-CN" altLang="en-US" smtClean="0"/>
-              <a:t>2022/12/5</a:t>
+              <a:t>2022/12/7</a:t>
             </a:fld>
             <a:endParaRPr lang="zh-CN" altLang="en-US"/>
           </a:p>
@@ -421,7 +421,7 @@
           <a:p>
             <a:fld id="{E86D8963-CFCD-4740-AF60-049850373CDF}" type="datetimeFigureOut">
               <a:rPr lang="zh-CN" altLang="en-US" smtClean="0"/>
-              <a:t>2022/12/5</a:t>
+              <a:t>2022/12/7</a:t>
             </a:fld>
             <a:endParaRPr lang="zh-CN" altLang="en-US"/>
           </a:p>
@@ -1400,7 +1400,7 @@
             <a:fld id="{6489D9C7-5DC6-4263-87FF-7C99F6FB63C3}" type="datetime1">
               <a:rPr lang="zh-CN" altLang="en-US" smtClean="0"/>
               <a:pPr/>
-              <a:t>2022/12/5</a:t>
+              <a:t>2022/12/7</a:t>
             </a:fld>
             <a:endParaRPr lang="zh-CN" altLang="en-US"/>
           </a:p>
@@ -1664,7 +1664,7 @@
             <a:fld id="{6489D9C7-5DC6-4263-87FF-7C99F6FB63C3}" type="datetime1">
               <a:rPr lang="zh-CN" altLang="en-US" smtClean="0"/>
               <a:pPr/>
-              <a:t>2022/12/5</a:t>
+              <a:t>2022/12/7</a:t>
             </a:fld>
             <a:endParaRPr lang="zh-CN" altLang="en-US"/>
           </a:p>
@@ -2286,7 +2286,7 @@
             <a:fld id="{6489D9C7-5DC6-4263-87FF-7C99F6FB63C3}" type="datetime1">
               <a:rPr lang="zh-CN" altLang="en-US" smtClean="0"/>
               <a:pPr/>
-              <a:t>2022/12/5</a:t>
+              <a:t>2022/12/7</a:t>
             </a:fld>
             <a:endParaRPr lang="zh-CN" altLang="en-US"/>
           </a:p>
@@ -3980,8 +3980,8 @@
             </a:prstGeom>
           </p:spPr>
         </p:pic>
-        <mc:AlternateContent xmlns:mc="http://schemas.openxmlformats.org/markup-compatibility/2006">
-          <mc:Choice xmlns:a14="http://schemas.microsoft.com/office/drawing/2010/main" Requires="a14">
+        <mc:AlternateContent xmlns:mc="http://schemas.openxmlformats.org/markup-compatibility/2006" xmlns:a14="http://schemas.microsoft.com/office/drawing/2010/main">
+          <mc:Choice Requires="a14">
             <p:sp>
               <p:nvSpPr>
                 <p:cNvPr id="32" name="文本框 31">
@@ -4076,7 +4076,7 @@
               </p:txBody>
             </p:sp>
           </mc:Choice>
-          <mc:Fallback>
+          <mc:Fallback xmlns="">
             <p:sp>
               <p:nvSpPr>
                 <p:cNvPr id="32" name="文本框 31">
@@ -6177,8 +6177,8 @@
           </a:p>
         </p:txBody>
       </p:sp>
-      <mc:AlternateContent xmlns:mc="http://schemas.openxmlformats.org/markup-compatibility/2006">
-        <mc:Choice xmlns:a14="http://schemas.microsoft.com/office/drawing/2010/main" Requires="a14">
+      <mc:AlternateContent xmlns:mc="http://schemas.openxmlformats.org/markup-compatibility/2006" xmlns:a14="http://schemas.microsoft.com/office/drawing/2010/main">
+        <mc:Choice Requires="a14">
           <p:sp>
             <p:nvSpPr>
               <p:cNvPr id="5" name="文本框 4">
@@ -6207,7 +6207,6 @@
               </a:bodyPr>
               <a:lstStyle/>
               <a:p>
-                <a:pPr/>
                 <a:r>
                   <a:rPr lang="zh-CN" altLang="zh-CN" sz="1800" kern="100" dirty="0">
                     <a:effectLst/>
@@ -7259,6 +7258,7 @@
                 </a:endParaRPr>
               </a:p>
               <a:p>
+                <a:pPr/>
                 <a14:m>
                   <m:oMathPara xmlns:m="http://schemas.openxmlformats.org/officeDocument/2006/math">
                     <m:oMathParaPr>
@@ -7813,14 +7813,18 @@
                         <m:begChr m:val="{"/>
                         <m:endChr m:val=""/>
                         <m:ctrlPr>
-                          <a:rPr lang="zh-CN" altLang="zh-CN" i="1"/>
+                          <a:rPr lang="zh-CN" altLang="zh-CN" i="1">
+                            <a:latin typeface="Cambria Math" panose="02040503050406030204" pitchFamily="18" charset="0"/>
+                          </a:rPr>
                         </m:ctrlPr>
                       </m:dPr>
                       <m:e>
                         <m:eqArr>
                           <m:eqArrPr>
                             <m:ctrlPr>
-                              <a:rPr lang="zh-CN" altLang="zh-CN" i="1"/>
+                              <a:rPr lang="zh-CN" altLang="zh-CN" i="1">
+                                <a:latin typeface="Cambria Math" panose="02040503050406030204" pitchFamily="18" charset="0"/>
+                              </a:rPr>
                             </m:ctrlPr>
                           </m:eqArrPr>
                           <m:e>
@@ -7828,25 +7832,33 @@
                               <m:barPr>
                                 <m:pos m:val="top"/>
                                 <m:ctrlPr>
-                                  <a:rPr lang="zh-CN" altLang="zh-CN" i="1"/>
+                                  <a:rPr lang="zh-CN" altLang="zh-CN" i="1">
+                                    <a:latin typeface="Cambria Math" panose="02040503050406030204" pitchFamily="18" charset="0"/>
+                                  </a:rPr>
                                 </m:ctrlPr>
                               </m:barPr>
                               <m:e>
                                 <m:sSub>
                                   <m:sSubPr>
                                     <m:ctrlPr>
-                                      <a:rPr lang="zh-CN" altLang="zh-CN" i="1"/>
+                                      <a:rPr lang="zh-CN" altLang="zh-CN" i="1">
+                                        <a:latin typeface="Cambria Math" panose="02040503050406030204" pitchFamily="18" charset="0"/>
+                                      </a:rPr>
                                     </m:ctrlPr>
                                   </m:sSubPr>
                                   <m:e>
                                     <m:r>
-                                      <a:rPr lang="en-US" altLang="zh-CN" i="1"/>
+                                      <a:rPr lang="en-US" altLang="zh-CN" i="1">
+                                        <a:latin typeface="Cambria Math" panose="02040503050406030204" pitchFamily="18" charset="0"/>
+                                      </a:rPr>
                                       <m:t>𝑎</m:t>
                                     </m:r>
                                   </m:e>
                                   <m:sub>
                                     <m:r>
-                                      <a:rPr lang="en-US" altLang="zh-CN" i="1"/>
+                                      <a:rPr lang="en-US" altLang="zh-CN" i="1">
+                                        <a:latin typeface="Cambria Math" panose="02040503050406030204" pitchFamily="18" charset="0"/>
+                                      </a:rPr>
                                       <m:t>𝑛</m:t>
                                     </m:r>
                                   </m:sub>
@@ -7854,19 +7866,27 @@
                               </m:e>
                             </m:bar>
                             <m:r>
-                              <a:rPr lang="en-US" altLang="zh-CN" i="1"/>
+                              <a:rPr lang="en-US" altLang="zh-CN" i="1">
+                                <a:latin typeface="Cambria Math" panose="02040503050406030204" pitchFamily="18" charset="0"/>
+                              </a:rPr>
                               <m:t>=1</m:t>
                             </m:r>
                             <m:r>
-                              <a:rPr lang="zh-CN" altLang="zh-CN" i="1"/>
+                              <a:rPr lang="zh-CN" altLang="zh-CN" i="1">
+                                <a:latin typeface="Cambria Math" panose="02040503050406030204" pitchFamily="18" charset="0"/>
+                              </a:rPr>
                               <m:t>时，概率为</m:t>
                             </m:r>
                             <m:r>
-                              <a:rPr lang="en-US" altLang="zh-CN" i="1"/>
+                              <a:rPr lang="en-US" altLang="zh-CN" i="1">
+                                <a:latin typeface="Cambria Math" panose="02040503050406030204" pitchFamily="18" charset="0"/>
+                              </a:rPr>
                               <m:t>1−</m:t>
                             </m:r>
                             <m:r>
-                              <a:rPr lang="en-US" altLang="zh-CN" i="1"/>
+                              <a:rPr lang="en-US" altLang="zh-CN" i="1">
+                                <a:latin typeface="Cambria Math" panose="02040503050406030204" pitchFamily="18" charset="0"/>
+                              </a:rPr>
                               <m:t>𝑃</m:t>
                             </m:r>
                           </m:e>
@@ -7875,25 +7895,33 @@
                               <m:barPr>
                                 <m:pos m:val="top"/>
                                 <m:ctrlPr>
-                                  <a:rPr lang="zh-CN" altLang="zh-CN" i="1"/>
+                                  <a:rPr lang="zh-CN" altLang="zh-CN" i="1">
+                                    <a:latin typeface="Cambria Math" panose="02040503050406030204" pitchFamily="18" charset="0"/>
+                                  </a:rPr>
                                 </m:ctrlPr>
                               </m:barPr>
                               <m:e>
                                 <m:sSub>
                                   <m:sSubPr>
                                     <m:ctrlPr>
-                                      <a:rPr lang="zh-CN" altLang="zh-CN" i="1"/>
+                                      <a:rPr lang="zh-CN" altLang="zh-CN" i="1">
+                                        <a:latin typeface="Cambria Math" panose="02040503050406030204" pitchFamily="18" charset="0"/>
+                                      </a:rPr>
                                     </m:ctrlPr>
                                   </m:sSubPr>
                                   <m:e>
                                     <m:r>
-                                      <a:rPr lang="en-US" altLang="zh-CN" i="1"/>
+                                      <a:rPr lang="en-US" altLang="zh-CN" i="1">
+                                        <a:latin typeface="Cambria Math" panose="02040503050406030204" pitchFamily="18" charset="0"/>
+                                      </a:rPr>
                                       <m:t>𝑎</m:t>
                                     </m:r>
                                   </m:e>
                                   <m:sub>
                                     <m:r>
-                                      <a:rPr lang="en-US" altLang="zh-CN" i="1"/>
+                                      <a:rPr lang="en-US" altLang="zh-CN" i="1">
+                                        <a:latin typeface="Cambria Math" panose="02040503050406030204" pitchFamily="18" charset="0"/>
+                                      </a:rPr>
                                       <m:t>𝑛</m:t>
                                     </m:r>
                                   </m:sub>
@@ -7901,15 +7929,21 @@
                               </m:e>
                             </m:bar>
                             <m:r>
-                              <a:rPr lang="en-US" altLang="zh-CN" i="1"/>
+                              <a:rPr lang="en-US" altLang="zh-CN" i="1">
+                                <a:latin typeface="Cambria Math" panose="02040503050406030204" pitchFamily="18" charset="0"/>
+                              </a:rPr>
                               <m:t>=0</m:t>
                             </m:r>
                             <m:r>
-                              <a:rPr lang="zh-CN" altLang="zh-CN" i="1"/>
+                              <a:rPr lang="zh-CN" altLang="zh-CN" i="1">
+                                <a:latin typeface="Cambria Math" panose="02040503050406030204" pitchFamily="18" charset="0"/>
+                              </a:rPr>
                               <m:t>时，概率为</m:t>
                             </m:r>
                             <m:r>
-                              <a:rPr lang="en-US" altLang="zh-CN" i="1"/>
+                              <a:rPr lang="en-US" altLang="zh-CN" i="1">
+                                <a:latin typeface="Cambria Math" panose="02040503050406030204" pitchFamily="18" charset="0"/>
+                              </a:rPr>
                               <m:t>𝑃</m:t>
                             </m:r>
                           </m:e>
@@ -7955,7 +7989,7 @@
                   <m:oMath xmlns:m="http://schemas.openxmlformats.org/officeDocument/2006/math">
                     <m:r>
                       <a:rPr lang="en-US" altLang="zh-CN" kern="100">
-                        <a:latin typeface="Times New Roman" panose="02020603050405020304" pitchFamily="18" charset="0"/>
+                        <a:latin typeface="Cambria Math" panose="02040503050406030204" pitchFamily="18" charset="0"/>
                         <a:ea typeface="宋体" panose="02010600030101010101" pitchFamily="2" charset="-122"/>
                         <a:cs typeface="Times New Roman" panose="02020603050405020304" pitchFamily="18" charset="0"/>
                       </a:rPr>
@@ -7963,7 +7997,7 @@
                     </m:r>
                     <m:r>
                       <a:rPr lang="en-US" altLang="zh-CN" kern="100">
-                        <a:latin typeface="Times New Roman" panose="02020603050405020304" pitchFamily="18" charset="0"/>
+                        <a:latin typeface="Cambria Math" panose="02040503050406030204" pitchFamily="18" charset="0"/>
                         <a:ea typeface="宋体" panose="02010600030101010101" pitchFamily="2" charset="-122"/>
                         <a:cs typeface="Times New Roman" panose="02020603050405020304" pitchFamily="18" charset="0"/>
                       </a:rPr>
@@ -8031,7 +8065,7 @@
                   <m:oMath xmlns:m="http://schemas.openxmlformats.org/officeDocument/2006/math">
                     <m:r>
                       <a:rPr lang="en-US" altLang="zh-CN" kern="100">
-                        <a:latin typeface="Times New Roman" panose="02020603050405020304" pitchFamily="18" charset="0"/>
+                        <a:latin typeface="Cambria Math" panose="02040503050406030204" pitchFamily="18" charset="0"/>
                         <a:ea typeface="宋体" panose="02010600030101010101" pitchFamily="2" charset="-122"/>
                         <a:cs typeface="Times New Roman" panose="02020603050405020304" pitchFamily="18" charset="0"/>
                       </a:rPr>
@@ -8039,7 +8073,7 @@
                     </m:r>
                     <m:r>
                       <a:rPr lang="en-US" altLang="zh-CN" kern="100">
-                        <a:latin typeface="Times New Roman" panose="02020603050405020304" pitchFamily="18" charset="0"/>
+                        <a:latin typeface="Cambria Math" panose="02040503050406030204" pitchFamily="18" charset="0"/>
                         <a:ea typeface="宋体" panose="02010600030101010101" pitchFamily="2" charset="-122"/>
                         <a:cs typeface="Times New Roman" panose="02020603050405020304" pitchFamily="18" charset="0"/>
                       </a:rPr>
@@ -8059,7 +8093,7 @@
                   <m:oMath xmlns:m="http://schemas.openxmlformats.org/officeDocument/2006/math">
                     <m:r>
                       <a:rPr lang="en-US" altLang="zh-CN" kern="100">
-                        <a:latin typeface="Times New Roman" panose="02020603050405020304" pitchFamily="18" charset="0"/>
+                        <a:latin typeface="Cambria Math" panose="02040503050406030204" pitchFamily="18" charset="0"/>
                         <a:ea typeface="宋体" panose="02010600030101010101" pitchFamily="2" charset="-122"/>
                         <a:cs typeface="Times New Roman" panose="02020603050405020304" pitchFamily="18" charset="0"/>
                       </a:rPr>
@@ -8067,7 +8101,7 @@
                     </m:r>
                     <m:r>
                       <a:rPr lang="en-US" altLang="zh-CN" kern="100">
-                        <a:latin typeface="Times New Roman" panose="02020603050405020304" pitchFamily="18" charset="0"/>
+                        <a:latin typeface="Cambria Math" panose="02040503050406030204" pitchFamily="18" charset="0"/>
                         <a:ea typeface="宋体" panose="02010600030101010101" pitchFamily="2" charset="-122"/>
                         <a:cs typeface="Times New Roman" panose="02020603050405020304" pitchFamily="18" charset="0"/>
                       </a:rPr>
@@ -8087,7 +8121,7 @@
                   <m:oMath xmlns:m="http://schemas.openxmlformats.org/officeDocument/2006/math">
                     <m:r>
                       <a:rPr lang="en-US" altLang="zh-CN" kern="100">
-                        <a:latin typeface="Times New Roman" panose="02020603050405020304" pitchFamily="18" charset="0"/>
+                        <a:latin typeface="Cambria Math" panose="02040503050406030204" pitchFamily="18" charset="0"/>
                         <a:ea typeface="宋体" panose="02010600030101010101" pitchFamily="2" charset="-122"/>
                         <a:cs typeface="Times New Roman" panose="02020603050405020304" pitchFamily="18" charset="0"/>
                       </a:rPr>
@@ -8095,7 +8129,7 @@
                     </m:r>
                     <m:r>
                       <a:rPr lang="en-US" altLang="zh-CN" kern="100">
-                        <a:latin typeface="Times New Roman" panose="02020603050405020304" pitchFamily="18" charset="0"/>
+                        <a:latin typeface="Cambria Math" panose="02040503050406030204" pitchFamily="18" charset="0"/>
                         <a:ea typeface="宋体" panose="02010600030101010101" pitchFamily="2" charset="-122"/>
                         <a:cs typeface="Times New Roman" panose="02020603050405020304" pitchFamily="18" charset="0"/>
                       </a:rPr>
@@ -8115,7 +8149,7 @@
                   <m:oMath xmlns:m="http://schemas.openxmlformats.org/officeDocument/2006/math">
                     <m:r>
                       <a:rPr lang="en-US" altLang="zh-CN" kern="100">
-                        <a:latin typeface="Times New Roman" panose="02020603050405020304" pitchFamily="18" charset="0"/>
+                        <a:latin typeface="Cambria Math" panose="02040503050406030204" pitchFamily="18" charset="0"/>
                         <a:ea typeface="宋体" panose="02010600030101010101" pitchFamily="2" charset="-122"/>
                         <a:cs typeface="Times New Roman" panose="02020603050405020304" pitchFamily="18" charset="0"/>
                       </a:rPr>
@@ -8123,7 +8157,7 @@
                     </m:r>
                     <m:r>
                       <a:rPr lang="en-US" altLang="zh-CN" kern="100">
-                        <a:latin typeface="Times New Roman" panose="02020603050405020304" pitchFamily="18" charset="0"/>
+                        <a:latin typeface="Cambria Math" panose="02040503050406030204" pitchFamily="18" charset="0"/>
                         <a:ea typeface="宋体" panose="02010600030101010101" pitchFamily="2" charset="-122"/>
                         <a:cs typeface="Times New Roman" panose="02020603050405020304" pitchFamily="18" charset="0"/>
                       </a:rPr>
@@ -8167,7 +8201,7 @@
                   <m:oMath xmlns:m="http://schemas.openxmlformats.org/officeDocument/2006/math">
                     <m:r>
                       <a:rPr lang="en-US" altLang="zh-CN" kern="100">
-                        <a:latin typeface="Times New Roman" panose="02020603050405020304" pitchFamily="18" charset="0"/>
+                        <a:latin typeface="Cambria Math" panose="02040503050406030204" pitchFamily="18" charset="0"/>
                         <a:ea typeface="宋体" panose="02010600030101010101" pitchFamily="2" charset="-122"/>
                         <a:cs typeface="Times New Roman" panose="02020603050405020304" pitchFamily="18" charset="0"/>
                       </a:rPr>
@@ -8175,7 +8209,7 @@
                     </m:r>
                     <m:r>
                       <a:rPr lang="en-US" altLang="zh-CN" kern="100">
-                        <a:latin typeface="Times New Roman" panose="02020603050405020304" pitchFamily="18" charset="0"/>
+                        <a:latin typeface="Cambria Math" panose="02040503050406030204" pitchFamily="18" charset="0"/>
                         <a:ea typeface="宋体" panose="02010600030101010101" pitchFamily="2" charset="-122"/>
                         <a:cs typeface="Times New Roman" panose="02020603050405020304" pitchFamily="18" charset="0"/>
                       </a:rPr>
@@ -8183,7 +8217,7 @@
                     </m:r>
                     <m:r>
                       <a:rPr lang="en-US" altLang="zh-CN" kern="100">
-                        <a:latin typeface="Times New Roman" panose="02020603050405020304" pitchFamily="18" charset="0"/>
+                        <a:latin typeface="Cambria Math" panose="02040503050406030204" pitchFamily="18" charset="0"/>
                         <a:ea typeface="宋体" panose="02010600030101010101" pitchFamily="2" charset="-122"/>
                         <a:cs typeface="Times New Roman" panose="02020603050405020304" pitchFamily="18" charset="0"/>
                       </a:rPr>
@@ -8192,8 +8226,8 @@
                     <m:d>
                       <m:dPr>
                         <m:ctrlPr>
-                          <a:rPr lang="zh-CN" altLang="zh-CN" kern="100">
-                            <a:latin typeface="Times New Roman" panose="02020603050405020304" pitchFamily="18" charset="0"/>
+                          <a:rPr lang="zh-CN" altLang="zh-CN" i="1" kern="100">
+                            <a:latin typeface="Cambria Math" panose="02040503050406030204" pitchFamily="18" charset="0"/>
                             <a:ea typeface="宋体" panose="02010600030101010101" pitchFamily="2" charset="-122"/>
                             <a:cs typeface="Times New Roman" panose="02020603050405020304" pitchFamily="18" charset="0"/>
                           </a:rPr>
@@ -8202,7 +8236,7 @@
                       <m:e>
                         <m:r>
                           <a:rPr lang="en-US" altLang="zh-CN" kern="100">
-                            <a:latin typeface="Times New Roman" panose="02020603050405020304" pitchFamily="18" charset="0"/>
+                            <a:latin typeface="Cambria Math" panose="02040503050406030204" pitchFamily="18" charset="0"/>
                             <a:ea typeface="宋体" panose="02010600030101010101" pitchFamily="2" charset="-122"/>
                             <a:cs typeface="Times New Roman" panose="02020603050405020304" pitchFamily="18" charset="0"/>
                           </a:rPr>
@@ -8212,7 +8246,7 @@
                     </m:d>
                     <m:r>
                       <a:rPr lang="en-US" altLang="zh-CN" kern="100">
-                        <a:latin typeface="Times New Roman" panose="02020603050405020304" pitchFamily="18" charset="0"/>
+                        <a:latin typeface="Cambria Math" panose="02040503050406030204" pitchFamily="18" charset="0"/>
                         <a:ea typeface="宋体" panose="02010600030101010101" pitchFamily="2" charset="-122"/>
                         <a:cs typeface="Times New Roman" panose="02020603050405020304" pitchFamily="18" charset="0"/>
                       </a:rPr>
@@ -8221,8 +8255,8 @@
                     <m:sSub>
                       <m:sSubPr>
                         <m:ctrlPr>
-                          <a:rPr lang="zh-CN" altLang="zh-CN" kern="100">
-                            <a:latin typeface="Times New Roman" panose="02020603050405020304" pitchFamily="18" charset="0"/>
+                          <a:rPr lang="zh-CN" altLang="zh-CN" i="1" kern="100">
+                            <a:latin typeface="Cambria Math" panose="02040503050406030204" pitchFamily="18" charset="0"/>
                             <a:ea typeface="宋体" panose="02010600030101010101" pitchFamily="2" charset="-122"/>
                             <a:cs typeface="Times New Roman" panose="02020603050405020304" pitchFamily="18" charset="0"/>
                           </a:rPr>
@@ -8231,7 +8265,7 @@
                       <m:e>
                         <m:r>
                           <a:rPr lang="en-US" altLang="zh-CN" kern="100">
-                            <a:latin typeface="Times New Roman" panose="02020603050405020304" pitchFamily="18" charset="0"/>
+                            <a:latin typeface="Cambria Math" panose="02040503050406030204" pitchFamily="18" charset="0"/>
                             <a:ea typeface="宋体" panose="02010600030101010101" pitchFamily="2" charset="-122"/>
                             <a:cs typeface="Times New Roman" panose="02020603050405020304" pitchFamily="18" charset="0"/>
                           </a:rPr>
@@ -8241,7 +8275,7 @@
                       <m:sub>
                         <m:r>
                           <a:rPr lang="en-US" altLang="zh-CN" kern="100">
-                            <a:latin typeface="Times New Roman" panose="02020603050405020304" pitchFamily="18" charset="0"/>
+                            <a:latin typeface="Cambria Math" panose="02040503050406030204" pitchFamily="18" charset="0"/>
                             <a:ea typeface="宋体" panose="02010600030101010101" pitchFamily="2" charset="-122"/>
                             <a:cs typeface="Times New Roman" panose="02020603050405020304" pitchFamily="18" charset="0"/>
                           </a:rPr>
@@ -8252,8 +8286,8 @@
                     <m:d>
                       <m:dPr>
                         <m:ctrlPr>
-                          <a:rPr lang="zh-CN" altLang="zh-CN" kern="100">
-                            <a:latin typeface="Times New Roman" panose="02020603050405020304" pitchFamily="18" charset="0"/>
+                          <a:rPr lang="zh-CN" altLang="zh-CN" i="1" kern="100">
+                            <a:latin typeface="Cambria Math" panose="02040503050406030204" pitchFamily="18" charset="0"/>
                             <a:ea typeface="宋体" panose="02010600030101010101" pitchFamily="2" charset="-122"/>
                             <a:cs typeface="Times New Roman" panose="02020603050405020304" pitchFamily="18" charset="0"/>
                           </a:rPr>
@@ -8262,7 +8296,7 @@
                       <m:e>
                         <m:r>
                           <a:rPr lang="en-US" altLang="zh-CN" kern="100">
-                            <a:latin typeface="Times New Roman" panose="02020603050405020304" pitchFamily="18" charset="0"/>
+                            <a:latin typeface="Cambria Math" panose="02040503050406030204" pitchFamily="18" charset="0"/>
                             <a:ea typeface="宋体" panose="02010600030101010101" pitchFamily="2" charset="-122"/>
                             <a:cs typeface="Times New Roman" panose="02020603050405020304" pitchFamily="18" charset="0"/>
                           </a:rPr>
@@ -8272,7 +8306,7 @@
                     </m:d>
                     <m:r>
                       <a:rPr lang="en-US" altLang="zh-CN" kern="100">
-                        <a:latin typeface="Times New Roman" panose="02020603050405020304" pitchFamily="18" charset="0"/>
+                        <a:latin typeface="Cambria Math" panose="02040503050406030204" pitchFamily="18" charset="0"/>
                         <a:ea typeface="宋体" panose="02010600030101010101" pitchFamily="2" charset="-122"/>
                         <a:cs typeface="Times New Roman" panose="02020603050405020304" pitchFamily="18" charset="0"/>
                       </a:rPr>
@@ -8281,8 +8315,8 @@
                     <m:sSub>
                       <m:sSubPr>
                         <m:ctrlPr>
-                          <a:rPr lang="zh-CN" altLang="zh-CN" kern="100">
-                            <a:latin typeface="Times New Roman" panose="02020603050405020304" pitchFamily="18" charset="0"/>
+                          <a:rPr lang="zh-CN" altLang="zh-CN" i="1" kern="100">
+                            <a:latin typeface="Cambria Math" panose="02040503050406030204" pitchFamily="18" charset="0"/>
                             <a:ea typeface="宋体" panose="02010600030101010101" pitchFamily="2" charset="-122"/>
                             <a:cs typeface="Times New Roman" panose="02020603050405020304" pitchFamily="18" charset="0"/>
                           </a:rPr>
@@ -8291,7 +8325,7 @@
                       <m:e>
                         <m:r>
                           <a:rPr lang="en-US" altLang="zh-CN" kern="100">
-                            <a:latin typeface="Times New Roman" panose="02020603050405020304" pitchFamily="18" charset="0"/>
+                            <a:latin typeface="Cambria Math" panose="02040503050406030204" pitchFamily="18" charset="0"/>
                             <a:ea typeface="宋体" panose="02010600030101010101" pitchFamily="2" charset="-122"/>
                             <a:cs typeface="Times New Roman" panose="02020603050405020304" pitchFamily="18" charset="0"/>
                           </a:rPr>
@@ -8301,7 +8335,7 @@
                       <m:sub>
                         <m:r>
                           <a:rPr lang="en-US" altLang="zh-CN" kern="100">
-                            <a:latin typeface="Times New Roman" panose="02020603050405020304" pitchFamily="18" charset="0"/>
+                            <a:latin typeface="Cambria Math" panose="02040503050406030204" pitchFamily="18" charset="0"/>
                             <a:ea typeface="宋体" panose="02010600030101010101" pitchFamily="2" charset="-122"/>
                             <a:cs typeface="Times New Roman" panose="02020603050405020304" pitchFamily="18" charset="0"/>
                           </a:rPr>
@@ -8311,7 +8345,7 @@
                     </m:sSub>
                     <m:r>
                       <a:rPr lang="en-US" altLang="zh-CN" kern="100">
-                        <a:latin typeface="Times New Roman" panose="02020603050405020304" pitchFamily="18" charset="0"/>
+                        <a:latin typeface="Cambria Math" panose="02040503050406030204" pitchFamily="18" charset="0"/>
                         <a:ea typeface="宋体" panose="02010600030101010101" pitchFamily="2" charset="-122"/>
                         <a:cs typeface="Times New Roman" panose="02020603050405020304" pitchFamily="18" charset="0"/>
                       </a:rPr>
@@ -8319,7 +8353,7 @@
                     </m:r>
                     <m:r>
                       <a:rPr lang="en-US" altLang="zh-CN" kern="100">
-                        <a:latin typeface="Times New Roman" panose="02020603050405020304" pitchFamily="18" charset="0"/>
+                        <a:latin typeface="Cambria Math" panose="02040503050406030204" pitchFamily="18" charset="0"/>
                         <a:ea typeface="宋体" panose="02010600030101010101" pitchFamily="2" charset="-122"/>
                         <a:cs typeface="Times New Roman" panose="02020603050405020304" pitchFamily="18" charset="0"/>
                       </a:rPr>
@@ -8328,8 +8362,8 @@
                     <m:sSub>
                       <m:sSubPr>
                         <m:ctrlPr>
-                          <a:rPr lang="zh-CN" altLang="zh-CN" kern="100">
-                            <a:latin typeface="Times New Roman" panose="02020603050405020304" pitchFamily="18" charset="0"/>
+                          <a:rPr lang="zh-CN" altLang="zh-CN" i="1" kern="100">
+                            <a:latin typeface="Cambria Math" panose="02040503050406030204" pitchFamily="18" charset="0"/>
                             <a:ea typeface="宋体" panose="02010600030101010101" pitchFamily="2" charset="-122"/>
                             <a:cs typeface="Times New Roman" panose="02020603050405020304" pitchFamily="18" charset="0"/>
                           </a:rPr>
@@ -8338,7 +8372,7 @@
                       <m:e>
                         <m:r>
                           <a:rPr lang="en-US" altLang="zh-CN" kern="100">
-                            <a:latin typeface="Times New Roman" panose="02020603050405020304" pitchFamily="18" charset="0"/>
+                            <a:latin typeface="Cambria Math" panose="02040503050406030204" pitchFamily="18" charset="0"/>
                             <a:ea typeface="宋体" panose="02010600030101010101" pitchFamily="2" charset="-122"/>
                             <a:cs typeface="Times New Roman" panose="02020603050405020304" pitchFamily="18" charset="0"/>
                           </a:rPr>
@@ -8348,7 +8382,7 @@
                       <m:sub>
                         <m:r>
                           <a:rPr lang="en-US" altLang="zh-CN" kern="100">
-                            <a:latin typeface="Times New Roman" panose="02020603050405020304" pitchFamily="18" charset="0"/>
+                            <a:latin typeface="Cambria Math" panose="02040503050406030204" pitchFamily="18" charset="0"/>
                             <a:ea typeface="宋体" panose="02010600030101010101" pitchFamily="2" charset="-122"/>
                             <a:cs typeface="Times New Roman" panose="02020603050405020304" pitchFamily="18" charset="0"/>
                           </a:rPr>
@@ -8359,8 +8393,8 @@
                     <m:d>
                       <m:dPr>
                         <m:ctrlPr>
-                          <a:rPr lang="zh-CN" altLang="zh-CN" kern="100">
-                            <a:latin typeface="Times New Roman" panose="02020603050405020304" pitchFamily="18" charset="0"/>
+                          <a:rPr lang="zh-CN" altLang="zh-CN" i="1" kern="100">
+                            <a:latin typeface="Cambria Math" panose="02040503050406030204" pitchFamily="18" charset="0"/>
                             <a:ea typeface="宋体" panose="02010600030101010101" pitchFamily="2" charset="-122"/>
                             <a:cs typeface="Times New Roman" panose="02020603050405020304" pitchFamily="18" charset="0"/>
                           </a:rPr>
@@ -8369,7 +8403,7 @@
                       <m:e>
                         <m:r>
                           <a:rPr lang="en-US" altLang="zh-CN" kern="100">
-                            <a:latin typeface="Times New Roman" panose="02020603050405020304" pitchFamily="18" charset="0"/>
+                            <a:latin typeface="Cambria Math" panose="02040503050406030204" pitchFamily="18" charset="0"/>
                             <a:ea typeface="宋体" panose="02010600030101010101" pitchFamily="2" charset="-122"/>
                             <a:cs typeface="Times New Roman" panose="02020603050405020304" pitchFamily="18" charset="0"/>
                           </a:rPr>
@@ -8379,7 +8413,7 @@
                     </m:d>
                     <m:r>
                       <a:rPr lang="en-US" altLang="zh-CN" kern="100">
-                        <a:latin typeface="Times New Roman" panose="02020603050405020304" pitchFamily="18" charset="0"/>
+                        <a:latin typeface="Cambria Math" panose="02040503050406030204" pitchFamily="18" charset="0"/>
                         <a:ea typeface="宋体" panose="02010600030101010101" pitchFamily="2" charset="-122"/>
                         <a:cs typeface="Times New Roman" panose="02020603050405020304" pitchFamily="18" charset="0"/>
                       </a:rPr>
@@ -8388,8 +8422,8 @@
                     <m:sSub>
                       <m:sSubPr>
                         <m:ctrlPr>
-                          <a:rPr lang="zh-CN" altLang="zh-CN" kern="100">
-                            <a:latin typeface="Times New Roman" panose="02020603050405020304" pitchFamily="18" charset="0"/>
+                          <a:rPr lang="zh-CN" altLang="zh-CN" i="1" kern="100">
+                            <a:latin typeface="Cambria Math" panose="02040503050406030204" pitchFamily="18" charset="0"/>
                             <a:ea typeface="宋体" panose="02010600030101010101" pitchFamily="2" charset="-122"/>
                             <a:cs typeface="Times New Roman" panose="02020603050405020304" pitchFamily="18" charset="0"/>
                           </a:rPr>
@@ -8398,7 +8432,7 @@
                       <m:e>
                         <m:r>
                           <a:rPr lang="en-US" altLang="zh-CN" kern="100">
-                            <a:latin typeface="Times New Roman" panose="02020603050405020304" pitchFamily="18" charset="0"/>
+                            <a:latin typeface="Cambria Math" panose="02040503050406030204" pitchFamily="18" charset="0"/>
                             <a:ea typeface="宋体" panose="02010600030101010101" pitchFamily="2" charset="-122"/>
                             <a:cs typeface="Times New Roman" panose="02020603050405020304" pitchFamily="18" charset="0"/>
                           </a:rPr>
@@ -8408,7 +8442,7 @@
                       <m:sub>
                         <m:r>
                           <a:rPr lang="en-US" altLang="zh-CN" kern="100">
-                            <a:latin typeface="Times New Roman" panose="02020603050405020304" pitchFamily="18" charset="0"/>
+                            <a:latin typeface="Cambria Math" panose="02040503050406030204" pitchFamily="18" charset="0"/>
                             <a:ea typeface="宋体" panose="02010600030101010101" pitchFamily="2" charset="-122"/>
                             <a:cs typeface="Times New Roman" panose="02020603050405020304" pitchFamily="18" charset="0"/>
                           </a:rPr>
@@ -8418,7 +8452,7 @@
                     </m:sSub>
                     <m:r>
                       <a:rPr lang="en-US" altLang="zh-CN" kern="100">
-                        <a:latin typeface="Times New Roman" panose="02020603050405020304" pitchFamily="18" charset="0"/>
+                        <a:latin typeface="Cambria Math" panose="02040503050406030204" pitchFamily="18" charset="0"/>
                         <a:ea typeface="宋体" panose="02010600030101010101" pitchFamily="2" charset="-122"/>
                         <a:cs typeface="Times New Roman" panose="02020603050405020304" pitchFamily="18" charset="0"/>
                       </a:rPr>
@@ -8454,8 +8488,8 @@
                     <m:sSub>
                       <m:sSubPr>
                         <m:ctrlPr>
-                          <a:rPr lang="zh-CN" altLang="zh-CN" kern="100">
-                            <a:latin typeface="Times New Roman" panose="02020603050405020304" pitchFamily="18" charset="0"/>
+                          <a:rPr lang="zh-CN" altLang="zh-CN" i="1" kern="100">
+                            <a:latin typeface="Cambria Math" panose="02040503050406030204" pitchFamily="18" charset="0"/>
                             <a:ea typeface="宋体" panose="02010600030101010101" pitchFamily="2" charset="-122"/>
                             <a:cs typeface="Times New Roman" panose="02020603050405020304" pitchFamily="18" charset="0"/>
                           </a:rPr>
@@ -8464,7 +8498,7 @@
                       <m:e>
                         <m:r>
                           <a:rPr lang="en-US" altLang="zh-CN" kern="100">
-                            <a:latin typeface="Times New Roman" panose="02020603050405020304" pitchFamily="18" charset="0"/>
+                            <a:latin typeface="Cambria Math" panose="02040503050406030204" pitchFamily="18" charset="0"/>
                             <a:ea typeface="宋体" panose="02010600030101010101" pitchFamily="2" charset="-122"/>
                             <a:cs typeface="Times New Roman" panose="02020603050405020304" pitchFamily="18" charset="0"/>
                           </a:rPr>
@@ -8474,7 +8508,7 @@
                       <m:sub>
                         <m:r>
                           <a:rPr lang="en-US" altLang="zh-CN" kern="100">
-                            <a:latin typeface="Times New Roman" panose="02020603050405020304" pitchFamily="18" charset="0"/>
+                            <a:latin typeface="Cambria Math" panose="02040503050406030204" pitchFamily="18" charset="0"/>
                             <a:ea typeface="宋体" panose="02010600030101010101" pitchFamily="2" charset="-122"/>
                             <a:cs typeface="Times New Roman" panose="02020603050405020304" pitchFamily="18" charset="0"/>
                           </a:rPr>
@@ -8485,8 +8519,8 @@
                     <m:d>
                       <m:dPr>
                         <m:ctrlPr>
-                          <a:rPr lang="zh-CN" altLang="zh-CN" kern="100">
-                            <a:latin typeface="Times New Roman" panose="02020603050405020304" pitchFamily="18" charset="0"/>
+                          <a:rPr lang="zh-CN" altLang="zh-CN" i="1" kern="100">
+                            <a:latin typeface="Cambria Math" panose="02040503050406030204" pitchFamily="18" charset="0"/>
                             <a:ea typeface="宋体" panose="02010600030101010101" pitchFamily="2" charset="-122"/>
                             <a:cs typeface="Times New Roman" panose="02020603050405020304" pitchFamily="18" charset="0"/>
                           </a:rPr>
@@ -8495,7 +8529,7 @@
                       <m:e>
                         <m:r>
                           <a:rPr lang="en-US" altLang="zh-CN" kern="100">
-                            <a:latin typeface="Times New Roman" panose="02020603050405020304" pitchFamily="18" charset="0"/>
+                            <a:latin typeface="Cambria Math" panose="02040503050406030204" pitchFamily="18" charset="0"/>
                             <a:ea typeface="宋体" panose="02010600030101010101" pitchFamily="2" charset="-122"/>
                             <a:cs typeface="Times New Roman" panose="02020603050405020304" pitchFamily="18" charset="0"/>
                           </a:rPr>
@@ -8505,7 +8539,7 @@
                     </m:d>
                     <m:r>
                       <a:rPr lang="en-US" altLang="zh-CN" kern="100">
-                        <a:latin typeface="Times New Roman" panose="02020603050405020304" pitchFamily="18" charset="0"/>
+                        <a:latin typeface="Cambria Math" panose="02040503050406030204" pitchFamily="18" charset="0"/>
                         <a:ea typeface="宋体" panose="02010600030101010101" pitchFamily="2" charset="-122"/>
                         <a:cs typeface="Times New Roman" panose="02020603050405020304" pitchFamily="18" charset="0"/>
                       </a:rPr>
@@ -8516,8 +8550,8 @@
                         <m:chr m:val="∑"/>
                         <m:supHide m:val="on"/>
                         <m:ctrlPr>
-                          <a:rPr lang="zh-CN" altLang="zh-CN" kern="100">
-                            <a:latin typeface="Times New Roman" panose="02020603050405020304" pitchFamily="18" charset="0"/>
+                          <a:rPr lang="zh-CN" altLang="zh-CN" i="1" kern="100">
+                            <a:latin typeface="Cambria Math" panose="02040503050406030204" pitchFamily="18" charset="0"/>
                             <a:ea typeface="宋体" panose="02010600030101010101" pitchFamily="2" charset="-122"/>
                             <a:cs typeface="Times New Roman" panose="02020603050405020304" pitchFamily="18" charset="0"/>
                           </a:rPr>
@@ -8526,7 +8560,7 @@
                       <m:sub>
                         <m:r>
                           <a:rPr lang="en-US" altLang="zh-CN" kern="100">
-                            <a:latin typeface="Times New Roman" panose="02020603050405020304" pitchFamily="18" charset="0"/>
+                            <a:latin typeface="Cambria Math" panose="02040503050406030204" pitchFamily="18" charset="0"/>
                             <a:ea typeface="宋体" panose="02010600030101010101" pitchFamily="2" charset="-122"/>
                             <a:cs typeface="Times New Roman" panose="02020603050405020304" pitchFamily="18" charset="0"/>
                           </a:rPr>
@@ -8538,8 +8572,8 @@
                         <m:sSub>
                           <m:sSubPr>
                             <m:ctrlPr>
-                              <a:rPr lang="zh-CN" altLang="zh-CN" kern="100">
-                                <a:latin typeface="Times New Roman" panose="02020603050405020304" pitchFamily="18" charset="0"/>
+                              <a:rPr lang="zh-CN" altLang="zh-CN" i="1" kern="100">
+                                <a:latin typeface="Cambria Math" panose="02040503050406030204" pitchFamily="18" charset="0"/>
                                 <a:ea typeface="宋体" panose="02010600030101010101" pitchFamily="2" charset="-122"/>
                                 <a:cs typeface="Times New Roman" panose="02020603050405020304" pitchFamily="18" charset="0"/>
                               </a:rPr>
@@ -8548,7 +8582,7 @@
                           <m:e>
                             <m:r>
                               <a:rPr lang="en-US" altLang="zh-CN" kern="100">
-                                <a:latin typeface="Times New Roman" panose="02020603050405020304" pitchFamily="18" charset="0"/>
+                                <a:latin typeface="Cambria Math" panose="02040503050406030204" pitchFamily="18" charset="0"/>
                                 <a:ea typeface="宋体" panose="02010600030101010101" pitchFamily="2" charset="-122"/>
                                 <a:cs typeface="Times New Roman" panose="02020603050405020304" pitchFamily="18" charset="0"/>
                               </a:rPr>
@@ -8558,7 +8592,7 @@
                           <m:sub>
                             <m:r>
                               <a:rPr lang="en-US" altLang="zh-CN" kern="100">
-                                <a:latin typeface="Times New Roman" panose="02020603050405020304" pitchFamily="18" charset="0"/>
+                                <a:latin typeface="Cambria Math" panose="02040503050406030204" pitchFamily="18" charset="0"/>
                                 <a:ea typeface="宋体" panose="02010600030101010101" pitchFamily="2" charset="-122"/>
                                 <a:cs typeface="Times New Roman" panose="02020603050405020304" pitchFamily="18" charset="0"/>
                               </a:rPr>
@@ -8568,7 +8602,7 @@
                         </m:sSub>
                         <m:r>
                           <a:rPr lang="en-US" altLang="zh-CN" kern="100">
-                            <a:latin typeface="Times New Roman" panose="02020603050405020304" pitchFamily="18" charset="0"/>
+                            <a:latin typeface="Cambria Math" panose="02040503050406030204" pitchFamily="18" charset="0"/>
                             <a:ea typeface="宋体" panose="02010600030101010101" pitchFamily="2" charset="-122"/>
                             <a:cs typeface="Times New Roman" panose="02020603050405020304" pitchFamily="18" charset="0"/>
                           </a:rPr>
@@ -8576,7 +8610,7 @@
                         </m:r>
                         <m:r>
                           <a:rPr lang="en-US" altLang="zh-CN" kern="100">
-                            <a:latin typeface="Times New Roman" panose="02020603050405020304" pitchFamily="18" charset="0"/>
+                            <a:latin typeface="Cambria Math" panose="02040503050406030204" pitchFamily="18" charset="0"/>
                             <a:ea typeface="宋体" panose="02010600030101010101" pitchFamily="2" charset="-122"/>
                             <a:cs typeface="Times New Roman" panose="02020603050405020304" pitchFamily="18" charset="0"/>
                           </a:rPr>
@@ -8585,8 +8619,8 @@
                         <m:d>
                           <m:dPr>
                             <m:ctrlPr>
-                              <a:rPr lang="zh-CN" altLang="zh-CN" kern="100">
-                                <a:latin typeface="Times New Roman" panose="02020603050405020304" pitchFamily="18" charset="0"/>
+                              <a:rPr lang="zh-CN" altLang="zh-CN" i="1" kern="100">
+                                <a:latin typeface="Cambria Math" panose="02040503050406030204" pitchFamily="18" charset="0"/>
                                 <a:ea typeface="宋体" panose="02010600030101010101" pitchFamily="2" charset="-122"/>
                                 <a:cs typeface="Times New Roman" panose="02020603050405020304" pitchFamily="18" charset="0"/>
                               </a:rPr>
@@ -8595,7 +8629,7 @@
                           <m:e>
                             <m:r>
                               <a:rPr lang="en-US" altLang="zh-CN" kern="100">
-                                <a:latin typeface="Times New Roman" panose="02020603050405020304" pitchFamily="18" charset="0"/>
+                                <a:latin typeface="Cambria Math" panose="02040503050406030204" pitchFamily="18" charset="0"/>
                                 <a:ea typeface="宋体" panose="02010600030101010101" pitchFamily="2" charset="-122"/>
                                 <a:cs typeface="Times New Roman" panose="02020603050405020304" pitchFamily="18" charset="0"/>
                               </a:rPr>
@@ -8603,7 +8637,7 @@
                             </m:r>
                             <m:r>
                               <a:rPr lang="en-US" altLang="zh-CN" kern="100">
-                                <a:latin typeface="Times New Roman" panose="02020603050405020304" pitchFamily="18" charset="0"/>
+                                <a:latin typeface="Cambria Math" panose="02040503050406030204" pitchFamily="18" charset="0"/>
                                 <a:ea typeface="宋体" panose="02010600030101010101" pitchFamily="2" charset="-122"/>
                                 <a:cs typeface="Times New Roman" panose="02020603050405020304" pitchFamily="18" charset="0"/>
                               </a:rPr>
@@ -8611,7 +8645,7 @@
                             </m:r>
                             <m:r>
                               <a:rPr lang="en-US" altLang="zh-CN" kern="100">
-                                <a:latin typeface="Times New Roman" panose="02020603050405020304" pitchFamily="18" charset="0"/>
+                                <a:latin typeface="Cambria Math" panose="02040503050406030204" pitchFamily="18" charset="0"/>
                                 <a:ea typeface="宋体" panose="02010600030101010101" pitchFamily="2" charset="-122"/>
                                 <a:cs typeface="Times New Roman" panose="02020603050405020304" pitchFamily="18" charset="0"/>
                               </a:rPr>
@@ -8636,8 +8670,8 @@
                     <m:sSub>
                       <m:sSubPr>
                         <m:ctrlPr>
-                          <a:rPr lang="zh-CN" altLang="zh-CN" kern="100">
-                            <a:latin typeface="Times New Roman" panose="02020603050405020304" pitchFamily="18" charset="0"/>
+                          <a:rPr lang="zh-CN" altLang="zh-CN" i="1" kern="100">
+                            <a:latin typeface="Cambria Math" panose="02040503050406030204" pitchFamily="18" charset="0"/>
                             <a:ea typeface="宋体" panose="02010600030101010101" pitchFamily="2" charset="-122"/>
                             <a:cs typeface="Times New Roman" panose="02020603050405020304" pitchFamily="18" charset="0"/>
                           </a:rPr>
@@ -8646,7 +8680,7 @@
                       <m:e>
                         <m:r>
                           <a:rPr lang="en-US" altLang="zh-CN" kern="100">
-                            <a:latin typeface="Times New Roman" panose="02020603050405020304" pitchFamily="18" charset="0"/>
+                            <a:latin typeface="Cambria Math" panose="02040503050406030204" pitchFamily="18" charset="0"/>
                             <a:ea typeface="宋体" panose="02010600030101010101" pitchFamily="2" charset="-122"/>
                             <a:cs typeface="Times New Roman" panose="02020603050405020304" pitchFamily="18" charset="0"/>
                           </a:rPr>
@@ -8656,7 +8690,7 @@
                       <m:sub>
                         <m:r>
                           <a:rPr lang="en-US" altLang="zh-CN" kern="100">
-                            <a:latin typeface="Times New Roman" panose="02020603050405020304" pitchFamily="18" charset="0"/>
+                            <a:latin typeface="Cambria Math" panose="02040503050406030204" pitchFamily="18" charset="0"/>
                             <a:ea typeface="宋体" panose="02010600030101010101" pitchFamily="2" charset="-122"/>
                             <a:cs typeface="Times New Roman" panose="02020603050405020304" pitchFamily="18" charset="0"/>
                           </a:rPr>
@@ -8667,8 +8701,8 @@
                     <m:d>
                       <m:dPr>
                         <m:ctrlPr>
-                          <a:rPr lang="zh-CN" altLang="zh-CN" kern="100">
-                            <a:latin typeface="Times New Roman" panose="02020603050405020304" pitchFamily="18" charset="0"/>
+                          <a:rPr lang="zh-CN" altLang="zh-CN" i="1" kern="100">
+                            <a:latin typeface="Cambria Math" panose="02040503050406030204" pitchFamily="18" charset="0"/>
                             <a:ea typeface="宋体" panose="02010600030101010101" pitchFamily="2" charset="-122"/>
                             <a:cs typeface="Times New Roman" panose="02020603050405020304" pitchFamily="18" charset="0"/>
                           </a:rPr>
@@ -8677,7 +8711,7 @@
                       <m:e>
                         <m:r>
                           <a:rPr lang="en-US" altLang="zh-CN" kern="100">
-                            <a:latin typeface="Times New Roman" panose="02020603050405020304" pitchFamily="18" charset="0"/>
+                            <a:latin typeface="Cambria Math" panose="02040503050406030204" pitchFamily="18" charset="0"/>
                             <a:ea typeface="宋体" panose="02010600030101010101" pitchFamily="2" charset="-122"/>
                             <a:cs typeface="Times New Roman" panose="02020603050405020304" pitchFamily="18" charset="0"/>
                           </a:rPr>
@@ -8687,7 +8721,7 @@
                     </m:d>
                     <m:r>
                       <a:rPr lang="en-US" altLang="zh-CN" kern="100">
-                        <a:latin typeface="Times New Roman" panose="02020603050405020304" pitchFamily="18" charset="0"/>
+                        <a:latin typeface="Cambria Math" panose="02040503050406030204" pitchFamily="18" charset="0"/>
                         <a:ea typeface="宋体" panose="02010600030101010101" pitchFamily="2" charset="-122"/>
                         <a:cs typeface="Times New Roman" panose="02020603050405020304" pitchFamily="18" charset="0"/>
                       </a:rPr>
@@ -8698,8 +8732,8 @@
                         <m:chr m:val="∑"/>
                         <m:supHide m:val="on"/>
                         <m:ctrlPr>
-                          <a:rPr lang="zh-CN" altLang="zh-CN" kern="100">
-                            <a:latin typeface="Times New Roman" panose="02020603050405020304" pitchFamily="18" charset="0"/>
+                          <a:rPr lang="zh-CN" altLang="zh-CN" i="1" kern="100">
+                            <a:latin typeface="Cambria Math" panose="02040503050406030204" pitchFamily="18" charset="0"/>
                             <a:ea typeface="宋体" panose="02010600030101010101" pitchFamily="2" charset="-122"/>
                             <a:cs typeface="Times New Roman" panose="02020603050405020304" pitchFamily="18" charset="0"/>
                           </a:rPr>
@@ -8708,7 +8742,7 @@
                       <m:sub>
                         <m:r>
                           <a:rPr lang="en-US" altLang="zh-CN" kern="100">
-                            <a:latin typeface="Times New Roman" panose="02020603050405020304" pitchFamily="18" charset="0"/>
+                            <a:latin typeface="Cambria Math" panose="02040503050406030204" pitchFamily="18" charset="0"/>
                             <a:ea typeface="宋体" panose="02010600030101010101" pitchFamily="2" charset="-122"/>
                             <a:cs typeface="Times New Roman" panose="02020603050405020304" pitchFamily="18" charset="0"/>
                           </a:rPr>
@@ -8721,8 +8755,8 @@
                           <m:barPr>
                             <m:pos m:val="top"/>
                             <m:ctrlPr>
-                              <a:rPr lang="zh-CN" altLang="zh-CN" kern="100">
-                                <a:latin typeface="Times New Roman" panose="02020603050405020304" pitchFamily="18" charset="0"/>
+                              <a:rPr lang="zh-CN" altLang="zh-CN" i="1" kern="100">
+                                <a:latin typeface="Cambria Math" panose="02040503050406030204" pitchFamily="18" charset="0"/>
                                 <a:ea typeface="宋体" panose="02010600030101010101" pitchFamily="2" charset="-122"/>
                                 <a:cs typeface="Times New Roman" panose="02020603050405020304" pitchFamily="18" charset="0"/>
                               </a:rPr>
@@ -8732,8 +8766,8 @@
                             <m:sSub>
                               <m:sSubPr>
                                 <m:ctrlPr>
-                                  <a:rPr lang="zh-CN" altLang="zh-CN" kern="100">
-                                    <a:latin typeface="Times New Roman" panose="02020603050405020304" pitchFamily="18" charset="0"/>
+                                  <a:rPr lang="zh-CN" altLang="zh-CN" i="1" kern="100">
+                                    <a:latin typeface="Cambria Math" panose="02040503050406030204" pitchFamily="18" charset="0"/>
                                     <a:ea typeface="宋体" panose="02010600030101010101" pitchFamily="2" charset="-122"/>
                                     <a:cs typeface="Times New Roman" panose="02020603050405020304" pitchFamily="18" charset="0"/>
                                   </a:rPr>
@@ -8742,7 +8776,7 @@
                               <m:e>
                                 <m:r>
                                   <a:rPr lang="en-US" altLang="zh-CN" kern="100">
-                                    <a:latin typeface="Times New Roman" panose="02020603050405020304" pitchFamily="18" charset="0"/>
+                                    <a:latin typeface="Cambria Math" panose="02040503050406030204" pitchFamily="18" charset="0"/>
                                     <a:ea typeface="宋体" panose="02010600030101010101" pitchFamily="2" charset="-122"/>
                                     <a:cs typeface="Times New Roman" panose="02020603050405020304" pitchFamily="18" charset="0"/>
                                   </a:rPr>
@@ -8752,7 +8786,7 @@
                               <m:sub>
                                 <m:r>
                                   <a:rPr lang="en-US" altLang="zh-CN" kern="100">
-                                    <a:latin typeface="Times New Roman" panose="02020603050405020304" pitchFamily="18" charset="0"/>
+                                    <a:latin typeface="Cambria Math" panose="02040503050406030204" pitchFamily="18" charset="0"/>
                                     <a:ea typeface="宋体" panose="02010600030101010101" pitchFamily="2" charset="-122"/>
                                     <a:cs typeface="Times New Roman" panose="02020603050405020304" pitchFamily="18" charset="0"/>
                                   </a:rPr>
@@ -8764,7 +8798,7 @@
                         </m:bar>
                         <m:r>
                           <a:rPr lang="en-US" altLang="zh-CN" kern="100">
-                            <a:latin typeface="Times New Roman" panose="02020603050405020304" pitchFamily="18" charset="0"/>
+                            <a:latin typeface="Cambria Math" panose="02040503050406030204" pitchFamily="18" charset="0"/>
                             <a:ea typeface="宋体" panose="02010600030101010101" pitchFamily="2" charset="-122"/>
                             <a:cs typeface="Times New Roman" panose="02020603050405020304" pitchFamily="18" charset="0"/>
                           </a:rPr>
@@ -8772,7 +8806,7 @@
                         </m:r>
                         <m:r>
                           <a:rPr lang="en-US" altLang="zh-CN" kern="100">
-                            <a:latin typeface="Times New Roman" panose="02020603050405020304" pitchFamily="18" charset="0"/>
+                            <a:latin typeface="Cambria Math" panose="02040503050406030204" pitchFamily="18" charset="0"/>
                             <a:ea typeface="宋体" panose="02010600030101010101" pitchFamily="2" charset="-122"/>
                             <a:cs typeface="Times New Roman" panose="02020603050405020304" pitchFamily="18" charset="0"/>
                           </a:rPr>
@@ -8781,8 +8815,8 @@
                         <m:d>
                           <m:dPr>
                             <m:ctrlPr>
-                              <a:rPr lang="zh-CN" altLang="zh-CN" kern="100">
-                                <a:latin typeface="Times New Roman" panose="02020603050405020304" pitchFamily="18" charset="0"/>
+                              <a:rPr lang="zh-CN" altLang="zh-CN" i="1" kern="100">
+                                <a:latin typeface="Cambria Math" panose="02040503050406030204" pitchFamily="18" charset="0"/>
                                 <a:ea typeface="宋体" panose="02010600030101010101" pitchFamily="2" charset="-122"/>
                                 <a:cs typeface="Times New Roman" panose="02020603050405020304" pitchFamily="18" charset="0"/>
                               </a:rPr>
@@ -8791,7 +8825,7 @@
                           <m:e>
                             <m:r>
                               <a:rPr lang="en-US" altLang="zh-CN" kern="100">
-                                <a:latin typeface="Times New Roman" panose="02020603050405020304" pitchFamily="18" charset="0"/>
+                                <a:latin typeface="Cambria Math" panose="02040503050406030204" pitchFamily="18" charset="0"/>
                                 <a:ea typeface="宋体" panose="02010600030101010101" pitchFamily="2" charset="-122"/>
                                 <a:cs typeface="Times New Roman" panose="02020603050405020304" pitchFamily="18" charset="0"/>
                               </a:rPr>
@@ -8799,7 +8833,7 @@
                             </m:r>
                             <m:r>
                               <a:rPr lang="en-US" altLang="zh-CN" kern="100">
-                                <a:latin typeface="Times New Roman" panose="02020603050405020304" pitchFamily="18" charset="0"/>
+                                <a:latin typeface="Cambria Math" panose="02040503050406030204" pitchFamily="18" charset="0"/>
                                 <a:ea typeface="宋体" panose="02010600030101010101" pitchFamily="2" charset="-122"/>
                                 <a:cs typeface="Times New Roman" panose="02020603050405020304" pitchFamily="18" charset="0"/>
                               </a:rPr>
@@ -8807,7 +8841,7 @@
                             </m:r>
                             <m:r>
                               <a:rPr lang="en-US" altLang="zh-CN" kern="100">
-                                <a:latin typeface="Times New Roman" panose="02020603050405020304" pitchFamily="18" charset="0"/>
+                                <a:latin typeface="Cambria Math" panose="02040503050406030204" pitchFamily="18" charset="0"/>
                                 <a:ea typeface="宋体" panose="02010600030101010101" pitchFamily="2" charset="-122"/>
                                 <a:cs typeface="Times New Roman" panose="02020603050405020304" pitchFamily="18" charset="0"/>
                               </a:rPr>
@@ -8834,7 +8868,7 @@
             </p:txBody>
           </p:sp>
         </mc:Choice>
-        <mc:Fallback>
+        <mc:Fallback xmlns="">
           <p:sp>
             <p:nvSpPr>
               <p:cNvPr id="5" name="文本框 4">
@@ -9074,7 +9108,7 @@
                 <a:latin typeface="宋体" panose="02010600030101010101" pitchFamily="2" charset="-122"/>
                 <a:ea typeface="宋体" panose="02010600030101010101" pitchFamily="2" charset="-122"/>
               </a:rPr>
-              <a:t>1 </a:t>
+              <a:t>1</a:t>
             </a:r>
             <a:r>
               <a:rPr lang="zh-CN" altLang="zh-CN" sz="1800" kern="100" dirty="0">
@@ -22158,7 +22192,7 @@
         <p:spPr>
           <a:xfrm>
             <a:off x="669925" y="1028700"/>
-            <a:ext cx="4538932" cy="4524315"/>
+            <a:ext cx="4538932" cy="4339650"/>
           </a:xfrm>
           <a:prstGeom prst="rect">
             <a:avLst/>
@@ -22211,47 +22245,81 @@
                 <a:latin typeface="宋体" panose="02010600030101010101" pitchFamily="2" charset="-122"/>
                 <a:ea typeface="宋体" panose="02010600030101010101" pitchFamily="2" charset="-122"/>
               </a:rPr>
-              <a:t>y3=</a:t>
-            </a:r>
-            <a:r>
-              <a:rPr lang="en-US" altLang="zh-CN" sz="1200" b="0" i="0" u="none" strike="noStrike" baseline="0" dirty="0" err="1">
+              <a:t>y3=amdemod(y2,fc,fs); 		</a:t>
+            </a:r>
+            <a:r>
+              <a:rPr lang="en-US" altLang="zh-CN" sz="1200" b="0" i="0" u="none" strike="noStrike" baseline="0" dirty="0">
+                <a:solidFill>
+                  <a:srgbClr val="028009"/>
+                </a:solidFill>
+                <a:latin typeface="宋体" panose="02010600030101010101" pitchFamily="2" charset="-122"/>
+                <a:ea typeface="宋体" panose="02010600030101010101" pitchFamily="2" charset="-122"/>
+              </a:rPr>
+              <a:t>%15db</a:t>
+            </a:r>
+            <a:r>
+              <a:rPr lang="zh-CN" altLang="en-US" sz="1200" b="0" i="0" u="none" strike="noStrike" baseline="0" dirty="0">
+                <a:solidFill>
+                  <a:srgbClr val="028009"/>
+                </a:solidFill>
+                <a:latin typeface="宋体" panose="02010600030101010101" pitchFamily="2" charset="-122"/>
+                <a:ea typeface="宋体" panose="02010600030101010101" pitchFamily="2" charset="-122"/>
+              </a:rPr>
+              <a:t>解调</a:t>
+            </a:r>
+          </a:p>
+          <a:p>
+            <a:r>
+              <a:rPr lang="en-US" altLang="zh-CN" sz="1200" b="0" i="0" u="none" strike="noStrike" baseline="0" dirty="0">
                 <a:solidFill>
                   <a:srgbClr val="000000"/>
                 </a:solidFill>
                 <a:latin typeface="宋体" panose="02010600030101010101" pitchFamily="2" charset="-122"/>
                 <a:ea typeface="宋体" panose="02010600030101010101" pitchFamily="2" charset="-122"/>
               </a:rPr>
-              <a:t>amdemod</a:t>
-            </a:r>
-            <a:r>
-              <a:rPr lang="en-US" altLang="zh-CN" sz="1200" b="0" i="0" u="none" strike="noStrike" baseline="0" dirty="0">
+              <a:t>Y3=abs(fft(y3,256)); 		</a:t>
+            </a:r>
+            <a:r>
+              <a:rPr lang="en-US" altLang="zh-CN" sz="1200" b="0" i="0" u="none" strike="noStrike" baseline="0" dirty="0">
+                <a:solidFill>
+                  <a:srgbClr val="028009"/>
+                </a:solidFill>
+                <a:latin typeface="宋体" panose="02010600030101010101" pitchFamily="2" charset="-122"/>
+                <a:ea typeface="宋体" panose="02010600030101010101" pitchFamily="2" charset="-122"/>
+              </a:rPr>
+              <a:t>%</a:t>
+            </a:r>
+            <a:r>
+              <a:rPr lang="zh-CN" altLang="en-US" sz="1200" b="0" i="0" u="none" strike="noStrike" baseline="0" dirty="0">
+                <a:solidFill>
+                  <a:srgbClr val="028009"/>
+                </a:solidFill>
+                <a:latin typeface="宋体" panose="02010600030101010101" pitchFamily="2" charset="-122"/>
+                <a:ea typeface="宋体" panose="02010600030101010101" pitchFamily="2" charset="-122"/>
+              </a:rPr>
+              <a:t>解调信号</a:t>
+            </a:r>
+            <a:r>
+              <a:rPr lang="en-US" altLang="zh-CN" sz="1200" b="0" i="0" u="none" strike="noStrike" baseline="0" dirty="0">
+                <a:solidFill>
+                  <a:srgbClr val="028009"/>
+                </a:solidFill>
+                <a:latin typeface="宋体" panose="02010600030101010101" pitchFamily="2" charset="-122"/>
+                <a:ea typeface="宋体" panose="02010600030101010101" pitchFamily="2" charset="-122"/>
+              </a:rPr>
+              <a:t>FFT</a:t>
+            </a:r>
+          </a:p>
+          <a:p>
+            <a:r>
+              <a:rPr lang="es-ES" altLang="zh-CN" sz="1200" b="0" i="0" u="none" strike="noStrike" baseline="0" dirty="0">
                 <a:solidFill>
                   <a:srgbClr val="000000"/>
                 </a:solidFill>
                 <a:latin typeface="宋体" panose="02010600030101010101" pitchFamily="2" charset="-122"/>
                 <a:ea typeface="宋体" panose="02010600030101010101" pitchFamily="2" charset="-122"/>
               </a:rPr>
-              <a:t>(y2,fc,fs); 		</a:t>
-            </a:r>
-            <a:r>
-              <a:rPr lang="en-US" altLang="zh-CN" sz="1200" b="0" i="0" u="none" strike="noStrike" baseline="0" dirty="0">
-                <a:solidFill>
-                  <a:srgbClr val="028009"/>
-                </a:solidFill>
-                <a:latin typeface="宋体" panose="02010600030101010101" pitchFamily="2" charset="-122"/>
-                <a:ea typeface="宋体" panose="02010600030101010101" pitchFamily="2" charset="-122"/>
-              </a:rPr>
-              <a:t>%15db</a:t>
-            </a:r>
-            <a:r>
-              <a:rPr lang="zh-CN" altLang="en-US" sz="1200" b="0" i="0" u="none" strike="noStrike" baseline="0" dirty="0">
-                <a:solidFill>
-                  <a:srgbClr val="028009"/>
-                </a:solidFill>
-                <a:latin typeface="宋体" panose="02010600030101010101" pitchFamily="2" charset="-122"/>
-                <a:ea typeface="宋体" panose="02010600030101010101" pitchFamily="2" charset="-122"/>
-              </a:rPr>
-              <a:t>解调</a:t>
+              <a:t>[br,pe1]=symerr(y1,y3);</a:t>
             </a:r>
           </a:p>
           <a:p>
@@ -22263,93 +22331,7 @@
                 <a:latin typeface="宋体" panose="02010600030101010101" pitchFamily="2" charset="-122"/>
                 <a:ea typeface="宋体" panose="02010600030101010101" pitchFamily="2" charset="-122"/>
               </a:rPr>
-              <a:t>Y3=abs(fft(y3,256)); 		</a:t>
-            </a:r>
-            <a:r>
-              <a:rPr lang="en-US" altLang="zh-CN" sz="1200" b="0" i="0" u="none" strike="noStrike" baseline="0" dirty="0">
-                <a:solidFill>
-                  <a:srgbClr val="028009"/>
-                </a:solidFill>
-                <a:latin typeface="宋体" panose="02010600030101010101" pitchFamily="2" charset="-122"/>
-                <a:ea typeface="宋体" panose="02010600030101010101" pitchFamily="2" charset="-122"/>
-              </a:rPr>
-              <a:t>%</a:t>
-            </a:r>
-            <a:r>
-              <a:rPr lang="zh-CN" altLang="en-US" sz="1200" b="0" i="0" u="none" strike="noStrike" baseline="0" dirty="0">
-                <a:solidFill>
-                  <a:srgbClr val="028009"/>
-                </a:solidFill>
-                <a:latin typeface="宋体" panose="02010600030101010101" pitchFamily="2" charset="-122"/>
-                <a:ea typeface="宋体" panose="02010600030101010101" pitchFamily="2" charset="-122"/>
-              </a:rPr>
-              <a:t>解调信号</a:t>
-            </a:r>
-            <a:r>
-              <a:rPr lang="en-US" altLang="zh-CN" sz="1200" b="0" i="0" u="none" strike="noStrike" baseline="0" dirty="0">
-                <a:solidFill>
-                  <a:srgbClr val="028009"/>
-                </a:solidFill>
-                <a:latin typeface="宋体" panose="02010600030101010101" pitchFamily="2" charset="-122"/>
-                <a:ea typeface="宋体" panose="02010600030101010101" pitchFamily="2" charset="-122"/>
-              </a:rPr>
-              <a:t>FFT</a:t>
-            </a:r>
-          </a:p>
-          <a:p>
-            <a:r>
-              <a:rPr lang="es-ES" altLang="zh-CN" sz="1200" b="0" i="0" u="none" strike="noStrike" baseline="0" dirty="0">
-                <a:solidFill>
-                  <a:srgbClr val="000000"/>
-                </a:solidFill>
-                <a:latin typeface="宋体" panose="02010600030101010101" pitchFamily="2" charset="-122"/>
-                <a:ea typeface="宋体" panose="02010600030101010101" pitchFamily="2" charset="-122"/>
-              </a:rPr>
-              <a:t>[br,pe1]=symerr(y1,y3);</a:t>
-            </a:r>
-          </a:p>
-          <a:p>
-            <a:r>
-              <a:rPr lang="en-US" altLang="zh-CN" sz="1200" b="0" i="0" u="none" strike="noStrike" baseline="0" dirty="0">
-                <a:solidFill>
-                  <a:srgbClr val="000000"/>
-                </a:solidFill>
-                <a:latin typeface="宋体" panose="02010600030101010101" pitchFamily="2" charset="-122"/>
-                <a:ea typeface="宋体" panose="02010600030101010101" pitchFamily="2" charset="-122"/>
-              </a:rPr>
-              <a:t>xxx=pe1;</a:t>
-            </a:r>
-          </a:p>
-          <a:p>
-            <a:r>
-              <a:rPr lang="en-US" altLang="zh-CN" sz="1200" b="0" i="0" u="none" strike="noStrike" baseline="0" dirty="0">
-                <a:solidFill>
-                  <a:srgbClr val="000000"/>
-                </a:solidFill>
-                <a:latin typeface="宋体" panose="02010600030101010101" pitchFamily="2" charset="-122"/>
-                <a:ea typeface="宋体" panose="02010600030101010101" pitchFamily="2" charset="-122"/>
-              </a:rPr>
-              <a:t>y5=</a:t>
-            </a:r>
-            <a:r>
-              <a:rPr lang="en-US" altLang="zh-CN" sz="1200" b="0" i="0" u="none" strike="noStrike" baseline="0" dirty="0" err="1">
-                <a:solidFill>
-                  <a:srgbClr val="000000"/>
-                </a:solidFill>
-                <a:latin typeface="宋体" panose="02010600030101010101" pitchFamily="2" charset="-122"/>
-                <a:ea typeface="宋体" panose="02010600030101010101" pitchFamily="2" charset="-122"/>
-              </a:rPr>
-              <a:t>amdemod</a:t>
-            </a:r>
-            <a:r>
-              <a:rPr lang="en-US" altLang="zh-CN" sz="1200" b="0" i="0" u="none" strike="noStrike" baseline="0" dirty="0">
-                <a:solidFill>
-                  <a:srgbClr val="000000"/>
-                </a:solidFill>
-                <a:latin typeface="宋体" panose="02010600030101010101" pitchFamily="2" charset="-122"/>
-                <a:ea typeface="宋体" panose="02010600030101010101" pitchFamily="2" charset="-122"/>
-              </a:rPr>
-              <a:t>(y4,fc,fs); 		</a:t>
+              <a:t>y5=amdemod(y4,fc,fs); 		</a:t>
             </a:r>
             <a:r>
               <a:rPr lang="en-US" altLang="zh-CN" sz="1200" b="0" i="0" u="none" strike="noStrike" baseline="0" dirty="0">
@@ -23233,7 +23215,35 @@
                 <a:latin typeface="宋体" panose="02010600030101010101" pitchFamily="2" charset="-122"/>
                 <a:ea typeface="宋体" panose="02010600030101010101" pitchFamily="2" charset="-122"/>
               </a:rPr>
-              <a:t>两种调制的情况下，由最后的产生的信噪比与误码率关系图可知：相同信噪比条件下，</a:t>
+              <a:t>两种调制的情况下，由最后的产生的信噪比与误码率关系图可知：在（</a:t>
+            </a:r>
+            <a:r>
+              <a:rPr lang="en-US" altLang="zh-CN" sz="2400" dirty="0">
+                <a:latin typeface="宋体" panose="02010600030101010101" pitchFamily="2" charset="-122"/>
+                <a:ea typeface="宋体" panose="02010600030101010101" pitchFamily="2" charset="-122"/>
+              </a:rPr>
+              <a:t>-10</a:t>
+            </a:r>
+            <a:r>
+              <a:rPr lang="zh-CN" altLang="en-US" sz="2400" dirty="0">
+                <a:latin typeface="宋体" panose="02010600030101010101" pitchFamily="2" charset="-122"/>
+                <a:ea typeface="宋体" panose="02010600030101010101" pitchFamily="2" charset="-122"/>
+              </a:rPr>
+              <a:t>，</a:t>
+            </a:r>
+            <a:r>
+              <a:rPr lang="en-US" altLang="zh-CN" sz="2400" dirty="0">
+                <a:latin typeface="宋体" panose="02010600030101010101" pitchFamily="2" charset="-122"/>
+                <a:ea typeface="宋体" panose="02010600030101010101" pitchFamily="2" charset="-122"/>
+              </a:rPr>
+              <a:t>10</a:t>
+            </a:r>
+            <a:r>
+              <a:rPr lang="zh-CN" altLang="en-US" sz="2400" dirty="0">
+                <a:latin typeface="宋体" panose="02010600030101010101" pitchFamily="2" charset="-122"/>
+                <a:ea typeface="宋体" panose="02010600030101010101" pitchFamily="2" charset="-122"/>
+              </a:rPr>
+              <a:t>）这个区间内，相同信噪比条件下，</a:t>
             </a:r>
             <a:r>
               <a:rPr lang="en-US" altLang="zh-CN" sz="2400" dirty="0">
@@ -35918,7 +35928,7 @@
         </p:blipFill>
         <p:spPr>
           <a:xfrm>
-            <a:off x="2915973" y="1377869"/>
+            <a:off x="2915973" y="1947212"/>
             <a:ext cx="6358463" cy="1900170"/>
           </a:xfrm>
           <a:prstGeom prst="rect">
@@ -36044,7 +36054,7 @@
         </p:blipFill>
         <p:spPr>
           <a:xfrm>
-            <a:off x="2163430" y="1544478"/>
+            <a:off x="2162635" y="1932666"/>
             <a:ext cx="7865139" cy="2174159"/>
           </a:xfrm>
           <a:prstGeom prst="rect">

--- a/PPT-12.pptx
+++ b/PPT-12.pptx
@@ -244,7 +244,7 @@
           <a:p>
             <a:fld id="{57B076D3-E097-4D3E-89C8-FC671BBB14DD}" type="datetimeFigureOut">
               <a:rPr lang="zh-CN" altLang="en-US" smtClean="0"/>
-              <a:t>2022/12/7</a:t>
+              <a:t>2022/12/8</a:t>
             </a:fld>
             <a:endParaRPr lang="zh-CN" altLang="en-US"/>
           </a:p>
@@ -421,7 +421,7 @@
           <a:p>
             <a:fld id="{E86D8963-CFCD-4740-AF60-049850373CDF}" type="datetimeFigureOut">
               <a:rPr lang="zh-CN" altLang="en-US" smtClean="0"/>
-              <a:t>2022/12/7</a:t>
+              <a:t>2022/12/8</a:t>
             </a:fld>
             <a:endParaRPr lang="zh-CN" altLang="en-US"/>
           </a:p>
@@ -1400,7 +1400,7 @@
             <a:fld id="{6489D9C7-5DC6-4263-87FF-7C99F6FB63C3}" type="datetime1">
               <a:rPr lang="zh-CN" altLang="en-US" smtClean="0"/>
               <a:pPr/>
-              <a:t>2022/12/7</a:t>
+              <a:t>2022/12/8</a:t>
             </a:fld>
             <a:endParaRPr lang="zh-CN" altLang="en-US"/>
           </a:p>
@@ -1664,7 +1664,7 @@
             <a:fld id="{6489D9C7-5DC6-4263-87FF-7C99F6FB63C3}" type="datetime1">
               <a:rPr lang="zh-CN" altLang="en-US" smtClean="0"/>
               <a:pPr/>
-              <a:t>2022/12/7</a:t>
+              <a:t>2022/12/8</a:t>
             </a:fld>
             <a:endParaRPr lang="zh-CN" altLang="en-US"/>
           </a:p>
@@ -2286,7 +2286,7 @@
             <a:fld id="{6489D9C7-5DC6-4263-87FF-7C99F6FB63C3}" type="datetime1">
               <a:rPr lang="zh-CN" altLang="en-US" smtClean="0"/>
               <a:pPr/>
-              <a:t>2022/12/7</a:t>
+              <a:t>2022/12/8</a:t>
             </a:fld>
             <a:endParaRPr lang="zh-CN" altLang="en-US"/>
           </a:p>
@@ -2919,7 +2919,7 @@
         <p:spPr>
           <a:xfrm>
             <a:off x="397004" y="2497830"/>
-            <a:ext cx="5698996" cy="2308324"/>
+            <a:ext cx="5698996" cy="2862322"/>
           </a:xfrm>
           <a:prstGeom prst="rect">
             <a:avLst/>
@@ -2977,9 +2977,29 @@
             </a:r>
             <a:r>
               <a:rPr lang="zh-CN" altLang="en-US" dirty="0"/>
-              <a:t>负责基础设置、模拟信号调制、加噪、解调</a:t>
+              <a:t>负责基础设置、模拟信号调制</a:t>
             </a:r>
             <a:endParaRPr lang="en-US" altLang="zh-CN" dirty="0"/>
+          </a:p>
+          <a:p>
+            <a:r>
+              <a:rPr lang="zh-CN" altLang="en-US" dirty="0"/>
+              <a:t>王大武 </a:t>
+            </a:r>
+            <a:r>
+              <a:rPr lang="en-US" altLang="zh-CN" dirty="0"/>
+              <a:t>20200627</a:t>
+            </a:r>
+          </a:p>
+          <a:p>
+            <a:r>
+              <a:rPr lang="en-US" altLang="zh-CN" dirty="0"/>
+              <a:t>       </a:t>
+            </a:r>
+            <a:r>
+              <a:rPr lang="zh-CN" altLang="en-US" dirty="0"/>
+              <a:t>负责模拟部分加噪、解调</a:t>
+            </a:r>
           </a:p>
           <a:p>
             <a:r>
@@ -3021,6 +3041,7 @@
               <a:rPr lang="zh-CN" altLang="en-US" dirty="0"/>
               <a:t>负责数字部分信道加噪、解调</a:t>
             </a:r>
+            <a:endParaRPr lang="en-US" altLang="zh-CN" dirty="0"/>
           </a:p>
         </p:txBody>
       </p:sp>
@@ -6177,8 +6198,8 @@
           </a:p>
         </p:txBody>
       </p:sp>
-      <mc:AlternateContent xmlns:mc="http://schemas.openxmlformats.org/markup-compatibility/2006" xmlns:a14="http://schemas.microsoft.com/office/drawing/2010/main">
-        <mc:Choice Requires="a14">
+      <mc:AlternateContent xmlns:mc="http://schemas.openxmlformats.org/markup-compatibility/2006">
+        <mc:Choice xmlns:a14="http://schemas.microsoft.com/office/drawing/2010/main" Requires="a14">
           <p:sp>
             <p:nvSpPr>
               <p:cNvPr id="5" name="文本框 4">
@@ -6617,6 +6638,14 @@
                     <a:spcPct val="135000"/>
                   </a:lnSpc>
                 </a:pPr>
+                <a:r>
+                  <a:rPr lang="en-US" altLang="zh-CN" sz="1800" kern="100" dirty="0">
+                    <a:effectLst/>
+                    <a:latin typeface="Times New Roman" panose="02020603050405020304" pitchFamily="18" charset="0"/>
+                    <a:ea typeface="宋体" panose="02010600030101010101" pitchFamily="2" charset="-122"/>
+                  </a:rPr>
+                  <a:t>1</a:t>
+                </a:r>
                 <a:r>
                   <a:rPr lang="zh-CN" altLang="zh-CN" sz="1800" kern="100" dirty="0">
                     <a:effectLst/>
@@ -8868,7 +8897,7 @@
             </p:txBody>
           </p:sp>
         </mc:Choice>
-        <mc:Fallback xmlns="">
+        <mc:Fallback>
           <p:sp>
             <p:nvSpPr>
               <p:cNvPr id="5" name="文本框 4">
